--- a/Vjezbe04/fer-vj-04.pptx
+++ b/Vjezbe04/fer-vj-04.pptx
@@ -11710,7 +11710,7 @@
             </a:pPr>
             <a:r>
               <a:rPr lang="en-US" sz="1800"/>
-              <a:t>+- mainApp.class</a:t>
+              <a:t>+- mainApp.java</a:t>
             </a:r>
           </a:p>
           <a:p>
@@ -11758,7 +11758,7 @@
             </a:pPr>
             <a:r>
               <a:rPr lang="en-US" sz="1800"/>
-              <a:t>	|	component.class</a:t>
+              <a:t>	|	component.java</a:t>
             </a:r>
           </a:p>
           <a:p>
@@ -11770,7 +11770,7 @@
             </a:pPr>
             <a:r>
               <a:rPr lang="en-US" sz="1800"/>
-              <a:t>	|	clientInterface.class</a:t>
+              <a:t>	|	clientInterface.java</a:t>
             </a:r>
           </a:p>
           <a:p>
@@ -11794,7 +11794,7 @@
             </a:pPr>
             <a:r>
               <a:rPr lang="en-US" sz="1800"/>
-              <a:t>	|			+- clientImpl.class</a:t>
+              <a:t>	|			+- clientImpl.java</a:t>
             </a:r>
           </a:p>
           <a:p>
@@ -11818,7 +11818,7 @@
             </a:pPr>
             <a:r>
               <a:rPr lang="en-US" sz="1800"/>
-              <a:t>	|	+- daoInterface.class</a:t>
+              <a:t>	|	+- daoInterface.java</a:t>
             </a:r>
           </a:p>
           <a:p>
@@ -11842,7 +11842,7 @@
             </a:pPr>
             <a:r>
               <a:rPr lang="en-US" sz="1800"/>
-              <a:t>	|		+- daoImpl.class</a:t>
+              <a:t>	|		+- daoImpl.java</a:t>
             </a:r>
           </a:p>
           <a:p>
@@ -11890,7 +11890,7 @@
             </a:pPr>
             <a:r>
               <a:rPr lang="en-US" sz="1800"/>
-              <a:t>		+- dto.class</a:t>
+              <a:t>		+- dto.java</a:t>
             </a:r>
           </a:p>
           <a:p>
@@ -14195,9 +14195,9 @@
 </file>
 
 <file path=ppt/theme/theme1.xml><?xml version="1.0" encoding="utf-8"?>
-<a:theme xmlns:a="http://schemas.openxmlformats.org/drawingml/2006/main" xmlns:r="http://schemas.openxmlformats.org/officeDocument/2006/relationships" name="Office Theme">
+<a:theme xmlns:a="http://schemas.openxmlformats.org/drawingml/2006/main" xmlns:r="http://schemas.openxmlformats.org/officeDocument/2006/relationships" name="Custom Theme">
   <a:themeElements>
-    <a:clrScheme name="Office">
+    <a:clrScheme name="Default">
       <a:dk1>
         <a:srgbClr val="000000"/>
       </a:dk1>
@@ -14205,34 +14205,34 @@
         <a:srgbClr val="FFFFFF"/>
       </a:lt1>
       <a:dk2>
-        <a:srgbClr val="1F497D"/>
+        <a:srgbClr val="158158"/>
       </a:dk2>
       <a:lt2>
-        <a:srgbClr val="EEECE1"/>
+        <a:srgbClr val="F3F3F3"/>
       </a:lt2>
       <a:accent1>
-        <a:srgbClr val="4F81BD"/>
+        <a:srgbClr val="058DC7"/>
       </a:accent1>
       <a:accent2>
-        <a:srgbClr val="C0504D"/>
+        <a:srgbClr val="50B432"/>
       </a:accent2>
       <a:accent3>
-        <a:srgbClr val="9BBB59"/>
+        <a:srgbClr val="ED561B"/>
       </a:accent3>
       <a:accent4>
-        <a:srgbClr val="8064A2"/>
+        <a:srgbClr val="EDEF00"/>
       </a:accent4>
       <a:accent5>
-        <a:srgbClr val="4BACC6"/>
+        <a:srgbClr val="24CBE5"/>
       </a:accent5>
       <a:accent6>
-        <a:srgbClr val="F79646"/>
+        <a:srgbClr val="64E572"/>
       </a:accent6>
       <a:hlink>
-        <a:srgbClr val="0000FF"/>
+        <a:srgbClr val="2200CC"/>
       </a:hlink>
       <a:folHlink>
-        <a:srgbClr val="800080"/>
+        <a:srgbClr val="551A8B"/>
       </a:folHlink>
     </a:clrScheme>
     <a:fontScheme name="Office">
@@ -14474,9 +14474,9 @@
 </file>
 
 <file path=ppt/theme/theme2.xml><?xml version="1.0" encoding="utf-8"?>
-<a:theme xmlns:a="http://schemas.openxmlformats.org/drawingml/2006/main" xmlns:r="http://schemas.openxmlformats.org/officeDocument/2006/relationships" name="Custom Theme">
+<a:theme xmlns:a="http://schemas.openxmlformats.org/drawingml/2006/main" xmlns:r="http://schemas.openxmlformats.org/officeDocument/2006/relationships" name="Office Theme">
   <a:themeElements>
-    <a:clrScheme name="Default">
+    <a:clrScheme name="Office">
       <a:dk1>
         <a:srgbClr val="000000"/>
       </a:dk1>
@@ -14484,34 +14484,34 @@
         <a:srgbClr val="FFFFFF"/>
       </a:lt1>
       <a:dk2>
-        <a:srgbClr val="158158"/>
+        <a:srgbClr val="1F497D"/>
       </a:dk2>
       <a:lt2>
-        <a:srgbClr val="F3F3F3"/>
+        <a:srgbClr val="EEECE1"/>
       </a:lt2>
       <a:accent1>
-        <a:srgbClr val="058DC7"/>
+        <a:srgbClr val="4F81BD"/>
       </a:accent1>
       <a:accent2>
-        <a:srgbClr val="50B432"/>
+        <a:srgbClr val="C0504D"/>
       </a:accent2>
       <a:accent3>
-        <a:srgbClr val="ED561B"/>
+        <a:srgbClr val="9BBB59"/>
       </a:accent3>
       <a:accent4>
-        <a:srgbClr val="EDEF00"/>
+        <a:srgbClr val="8064A2"/>
       </a:accent4>
       <a:accent5>
-        <a:srgbClr val="24CBE5"/>
+        <a:srgbClr val="4BACC6"/>
       </a:accent5>
       <a:accent6>
-        <a:srgbClr val="64E572"/>
+        <a:srgbClr val="F79646"/>
       </a:accent6>
       <a:hlink>
-        <a:srgbClr val="2200CC"/>
+        <a:srgbClr val="0000FF"/>
       </a:hlink>
       <a:folHlink>
-        <a:srgbClr val="551A8B"/>
+        <a:srgbClr val="800080"/>
       </a:folHlink>
     </a:clrScheme>
     <a:fontScheme name="Office">
